--- a/SDD 관련 자료/작업 결과물/서브시스템 구조도/서브 시스템 구조도.pptx
+++ b/SDD 관련 자료/작업 결과물/서브시스템 구조도/서브 시스템 구조도.pptx
@@ -2971,43 +2971,6 @@
           <a:chExt cx="0" cy="0"/>
         </a:xfrm>
       </p:grpSpPr>
-      <p:cxnSp>
-        <p:nvCxnSpPr>
-          <p:cNvPr id="475" name="직선 화살표 연결선 474"/>
-          <p:cNvCxnSpPr>
-            <a:stCxn id="474" idx="2"/>
-            <a:endCxn id="459" idx="0"/>
-          </p:cNvCxnSpPr>
-          <p:nvPr/>
-        </p:nvCxnSpPr>
-        <p:spPr>
-          <a:xfrm flipH="1">
-            <a:off x="12440628" y="11128131"/>
-            <a:ext cx="921861" cy="2483038"/>
-          </a:xfrm>
-          <a:prstGeom prst="straightConnector1">
-            <a:avLst/>
-          </a:prstGeom>
-          <a:ln w="38100">
-            <a:headEnd w="lg" len="lg"/>
-            <a:tailEnd type="triangle"/>
-          </a:ln>
-        </p:spPr>
-        <p:style>
-          <a:lnRef idx="1">
-            <a:schemeClr val="accent1"/>
-          </a:lnRef>
-          <a:fillRef idx="0">
-            <a:schemeClr val="accent1"/>
-          </a:fillRef>
-          <a:effectRef idx="0">
-            <a:schemeClr val="accent1"/>
-          </a:effectRef>
-          <a:fontRef idx="minor">
-            <a:schemeClr val="tx1"/>
-          </a:fontRef>
-        </p:style>
-      </p:cxnSp>
       <p:grpSp>
         <p:nvGrpSpPr>
           <p:cNvPr id="69" name="그룹 68"/>
@@ -3016,7 +2979,7 @@
         </p:nvGrpSpPr>
         <p:grpSpPr>
           <a:xfrm>
-            <a:off x="-16375069" y="17817928"/>
+            <a:off x="6784" y="5932870"/>
             <a:ext cx="9816117" cy="6521340"/>
             <a:chOff x="1934887" y="253828"/>
             <a:chExt cx="9816117" cy="6521340"/>
@@ -4828,6 +4791,14 @@
                 </a:rPr>
                 <a:t>강의 평가 질문</a:t>
               </a:r>
+              <a:r>
+                <a:rPr lang="en-US" altLang="ko-KR" sz="1100" dirty="0">
+                  <a:solidFill>
+                    <a:schemeClr val="tx1"/>
+                  </a:solidFill>
+                </a:rPr>
+                <a:t/>
+              </a:r>
               <a:br>
                 <a:rPr lang="en-US" altLang="ko-KR" sz="1100" dirty="0">
                   <a:solidFill>
@@ -4855,7 +4826,7 @@
         </p:nvGrpSpPr>
         <p:grpSpPr>
           <a:xfrm>
-            <a:off x="-5756054" y="17817928"/>
+            <a:off x="547375" y="17471082"/>
             <a:ext cx="10863422" cy="7812089"/>
             <a:chOff x="1924002" y="897418"/>
             <a:chExt cx="10863422" cy="7812089"/>
@@ -5935,6 +5906,14 @@
                 </a:rPr>
                 <a:t>강의평가 질문 수정</a:t>
               </a:r>
+              <a:r>
+                <a:rPr lang="en-US" altLang="ko-KR" sz="1100" dirty="0">
+                  <a:solidFill>
+                    <a:sysClr val="windowText" lastClr="000000"/>
+                  </a:solidFill>
+                </a:rPr>
+                <a:t/>
+              </a:r>
               <a:br>
                 <a:rPr lang="en-US" altLang="ko-KR" sz="1100" dirty="0">
                   <a:solidFill>
@@ -6040,6 +6019,14 @@
                   </a:solidFill>
                 </a:rPr>
                 <a:t>강의평가 질문 </a:t>
+              </a:r>
+              <a:r>
+                <a:rPr lang="en-US" altLang="ko-KR" sz="1100" dirty="0">
+                  <a:solidFill>
+                    <a:sysClr val="windowText" lastClr="000000"/>
+                  </a:solidFill>
+                </a:rPr>
+                <a:t/>
               </a:r>
               <a:br>
                 <a:rPr lang="en-US" altLang="ko-KR" sz="1100" dirty="0">
@@ -6798,9 +6785,7 @@
           <p:cxnSp>
             <p:nvCxnSpPr>
               <p:cNvPr id="194" name="직선 연결선 193"/>
-              <p:cNvCxnSpPr>
-                <a:endCxn id="193" idx="5"/>
-              </p:cNvCxnSpPr>
+              <p:cNvCxnSpPr/>
               <p:nvPr/>
             </p:nvCxnSpPr>
             <p:spPr>
@@ -7318,7 +7303,7 @@
         </p:nvGrpSpPr>
         <p:grpSpPr>
           <a:xfrm>
-            <a:off x="5180073" y="17819588"/>
+            <a:off x="7224505" y="28040923"/>
             <a:ext cx="10894001" cy="7771696"/>
             <a:chOff x="1957218" y="260769"/>
             <a:chExt cx="10894001" cy="7771696"/>
@@ -7375,6 +7360,14 @@
                   </a:solidFill>
                 </a:rPr>
                 <a:t>강의평가 질문 삭제</a:t>
+              </a:r>
+              <a:r>
+                <a:rPr lang="en-US" altLang="ko-KR" sz="1100" dirty="0">
+                  <a:solidFill>
+                    <a:sysClr val="windowText" lastClr="000000"/>
+                  </a:solidFill>
+                </a:rPr>
+                <a:t/>
               </a:r>
               <a:br>
                 <a:rPr lang="en-US" altLang="ko-KR" sz="1100" dirty="0">
@@ -7397,9 +7390,7 @@
         <p:cxnSp>
           <p:nvCxnSpPr>
             <p:cNvPr id="215" name="직선 화살표 연결선 214"/>
-            <p:cNvCxnSpPr>
-              <a:endCxn id="214" idx="0"/>
-            </p:cNvCxnSpPr>
+            <p:cNvCxnSpPr/>
             <p:nvPr/>
           </p:nvCxnSpPr>
           <p:spPr>
@@ -7481,6 +7472,14 @@
                   </a:solidFill>
                 </a:rPr>
                 <a:t>강의평가 질문 </a:t>
+              </a:r>
+              <a:r>
+                <a:rPr lang="en-US" altLang="ko-KR" sz="1100" dirty="0">
+                  <a:solidFill>
+                    <a:sysClr val="windowText" lastClr="000000"/>
+                  </a:solidFill>
+                </a:rPr>
+                <a:t/>
               </a:r>
               <a:br>
                 <a:rPr lang="en-US" altLang="ko-KR" sz="1100" dirty="0">
@@ -9777,7 +9776,7 @@
         </p:nvGrpSpPr>
         <p:grpSpPr>
           <a:xfrm>
-            <a:off x="16975829" y="17817928"/>
+            <a:off x="24901267" y="16538649"/>
             <a:ext cx="11267514" cy="5586427"/>
             <a:chOff x="14567614" y="13935521"/>
             <a:chExt cx="11267514" cy="5586427"/>
@@ -12040,6 +12039,14 @@
                 </a:rPr>
                 <a:t>강의 평가 질문</a:t>
               </a:r>
+              <a:r>
+                <a:rPr lang="en-US" altLang="ko-KR" sz="1100" dirty="0">
+                  <a:solidFill>
+                    <a:schemeClr val="tx1"/>
+                  </a:solidFill>
+                </a:rPr>
+                <a:t/>
+              </a:r>
               <a:br>
                 <a:rPr lang="en-US" altLang="ko-KR" sz="1100" dirty="0">
                   <a:solidFill>
@@ -12109,6 +12116,14 @@
                   </a:solidFill>
                 </a:rPr>
                 <a:t>강의 평가 결과</a:t>
+              </a:r>
+              <a:r>
+                <a:rPr lang="en-US" altLang="ko-KR" sz="1100" dirty="0">
+                  <a:solidFill>
+                    <a:schemeClr val="tx1"/>
+                  </a:solidFill>
+                </a:rPr>
+                <a:t/>
               </a:r>
               <a:br>
                 <a:rPr lang="en-US" altLang="ko-KR" sz="1100" dirty="0">
@@ -12137,7 +12152,7 @@
         </p:nvGrpSpPr>
         <p:grpSpPr>
           <a:xfrm>
-            <a:off x="29209200" y="17817928"/>
+            <a:off x="25025839" y="4895634"/>
             <a:ext cx="10902193" cy="7829782"/>
             <a:chOff x="2733650" y="1137197"/>
             <a:chExt cx="10902193" cy="7829782"/>
@@ -14301,7 +14316,7 @@
         </p:nvGrpSpPr>
         <p:grpSpPr>
           <a:xfrm>
-            <a:off x="41797830" y="17818744"/>
+            <a:off x="22608226" y="27902589"/>
             <a:ext cx="10875379" cy="7847053"/>
             <a:chOff x="1316621" y="-190980"/>
             <a:chExt cx="10875379" cy="7847053"/>
@@ -15955,136 +15970,964 @@
           </p:txBody>
         </p:sp>
       </p:grpSp>
+      <p:grpSp>
+        <p:nvGrpSpPr>
+          <p:cNvPr id="2" name="그룹 1"/>
+          <p:cNvGrpSpPr/>
+          <p:nvPr/>
+        </p:nvGrpSpPr>
+        <p:grpSpPr>
+          <a:xfrm>
+            <a:off x="11722324" y="-1022433"/>
+            <a:ext cx="9486097" cy="4855989"/>
+            <a:chOff x="8197488" y="10402000"/>
+            <a:chExt cx="9486097" cy="4855989"/>
+          </a:xfrm>
+        </p:grpSpPr>
+        <p:cxnSp>
+          <p:nvCxnSpPr>
+            <p:cNvPr id="475" name="직선 화살표 연결선 474"/>
+            <p:cNvCxnSpPr>
+              <a:stCxn id="474" idx="2"/>
+              <a:endCxn id="459" idx="0"/>
+            </p:cNvCxnSpPr>
+            <p:nvPr/>
+          </p:nvCxnSpPr>
+          <p:spPr>
+            <a:xfrm flipH="1">
+              <a:off x="12440628" y="11128131"/>
+              <a:ext cx="921861" cy="2483038"/>
+            </a:xfrm>
+            <a:prstGeom prst="straightConnector1">
+              <a:avLst/>
+            </a:prstGeom>
+            <a:ln w="38100">
+              <a:headEnd w="lg" len="lg"/>
+              <a:tailEnd type="triangle"/>
+            </a:ln>
+          </p:spPr>
+          <p:style>
+            <a:lnRef idx="1">
+              <a:schemeClr val="accent1"/>
+            </a:lnRef>
+            <a:fillRef idx="0">
+              <a:schemeClr val="accent1"/>
+            </a:fillRef>
+            <a:effectRef idx="0">
+              <a:schemeClr val="accent1"/>
+            </a:effectRef>
+            <a:fontRef idx="minor">
+              <a:schemeClr val="tx1"/>
+            </a:fontRef>
+          </p:style>
+        </p:cxnSp>
+        <p:sp>
+          <p:nvSpPr>
+            <p:cNvPr id="449" name="순서도: 다른 페이지 연결선 4"/>
+            <p:cNvSpPr/>
+            <p:nvPr/>
+          </p:nvSpPr>
+          <p:spPr>
+            <a:xfrm>
+              <a:off x="16692390" y="13830300"/>
+              <a:ext cx="991195" cy="1002366"/>
+            </a:xfrm>
+            <a:prstGeom prst="flowChartOffpageConnector">
+              <a:avLst/>
+            </a:prstGeom>
+            <a:noFill/>
+            <a:ln w="31750">
+              <a:solidFill>
+                <a:schemeClr val="accent1">
+                  <a:shade val="50000"/>
+                </a:schemeClr>
+              </a:solidFill>
+            </a:ln>
+          </p:spPr>
+          <p:style>
+            <a:lnRef idx="2">
+              <a:schemeClr val="accent1">
+                <a:shade val="50000"/>
+              </a:schemeClr>
+            </a:lnRef>
+            <a:fillRef idx="1">
+              <a:schemeClr val="accent1"/>
+            </a:fillRef>
+            <a:effectRef idx="0">
+              <a:schemeClr val="accent1"/>
+            </a:effectRef>
+            <a:fontRef idx="minor">
+              <a:schemeClr val="lt1"/>
+            </a:fontRef>
+          </p:style>
+          <p:txBody>
+            <a:bodyPr rtlCol="0" anchor="ctr"/>
+            <a:lstStyle/>
+            <a:p>
+              <a:pPr algn="ctr"/>
+              <a:r>
+                <a:rPr lang="ko-KR" altLang="en-US" sz="1100" dirty="0">
+                  <a:solidFill>
+                    <a:schemeClr val="tx1"/>
+                  </a:solidFill>
+                </a:rPr>
+                <a:t>서브메뉴</a:t>
+              </a:r>
+              <a:endParaRPr lang="en-US" altLang="ko-KR" sz="1100" dirty="0">
+                <a:solidFill>
+                  <a:schemeClr val="tx1"/>
+                </a:solidFill>
+              </a:endParaRPr>
+            </a:p>
+            <a:p>
+              <a:pPr algn="ctr"/>
+              <a:r>
+                <a:rPr lang="ko-KR" altLang="en-US" sz="1100" dirty="0">
+                  <a:solidFill>
+                    <a:schemeClr val="tx1"/>
+                  </a:solidFill>
+                </a:rPr>
+                <a:t>선택</a:t>
+              </a:r>
+            </a:p>
+          </p:txBody>
+        </p:sp>
+        <p:sp>
+          <p:nvSpPr>
+            <p:cNvPr id="450" name="다이아몬드 449"/>
+            <p:cNvSpPr/>
+            <p:nvPr/>
+          </p:nvSpPr>
+          <p:spPr>
+            <a:xfrm>
+              <a:off x="16975829" y="14833672"/>
+              <a:ext cx="424317" cy="424317"/>
+            </a:xfrm>
+            <a:prstGeom prst="diamond">
+              <a:avLst/>
+            </a:prstGeom>
+          </p:spPr>
+          <p:style>
+            <a:lnRef idx="2">
+              <a:schemeClr val="accent1">
+                <a:shade val="50000"/>
+              </a:schemeClr>
+            </a:lnRef>
+            <a:fillRef idx="1">
+              <a:schemeClr val="accent1"/>
+            </a:fillRef>
+            <a:effectRef idx="0">
+              <a:schemeClr val="accent1"/>
+            </a:effectRef>
+            <a:fontRef idx="minor">
+              <a:schemeClr val="lt1"/>
+            </a:fontRef>
+          </p:style>
+          <p:txBody>
+            <a:bodyPr rtlCol="0" anchor="ctr"/>
+            <a:lstStyle/>
+            <a:p>
+              <a:pPr algn="ctr"/>
+              <a:endParaRPr lang="ko-KR" altLang="en-US"/>
+            </a:p>
+          </p:txBody>
+        </p:sp>
+        <p:sp>
+          <p:nvSpPr>
+            <p:cNvPr id="457" name="직사각형 456"/>
+            <p:cNvSpPr/>
+            <p:nvPr/>
+          </p:nvSpPr>
+          <p:spPr>
+            <a:xfrm>
+              <a:off x="8197488" y="13583489"/>
+              <a:ext cx="1556992" cy="726131"/>
+            </a:xfrm>
+            <a:prstGeom prst="rect">
+              <a:avLst/>
+            </a:prstGeom>
+            <a:noFill/>
+            <a:ln w="31750">
+              <a:solidFill>
+                <a:schemeClr val="accent1">
+                  <a:shade val="50000"/>
+                </a:schemeClr>
+              </a:solidFill>
+            </a:ln>
+          </p:spPr>
+          <p:style>
+            <a:lnRef idx="2">
+              <a:schemeClr val="accent1">
+                <a:shade val="50000"/>
+              </a:schemeClr>
+            </a:lnRef>
+            <a:fillRef idx="1">
+              <a:schemeClr val="accent1"/>
+            </a:fillRef>
+            <a:effectRef idx="0">
+              <a:schemeClr val="accent1"/>
+            </a:effectRef>
+            <a:fontRef idx="minor">
+              <a:schemeClr val="lt1"/>
+            </a:fontRef>
+          </p:style>
+          <p:txBody>
+            <a:bodyPr rtlCol="0" anchor="ctr"/>
+            <a:lstStyle/>
+            <a:p>
+              <a:pPr algn="ctr"/>
+              <a:r>
+                <a:rPr lang="ko-KR" altLang="en-US" sz="1100" dirty="0">
+                  <a:solidFill>
+                    <a:sysClr val="windowText" lastClr="000000"/>
+                  </a:solidFill>
+                </a:rPr>
+                <a:t>화면출력</a:t>
+              </a:r>
+            </a:p>
+          </p:txBody>
+        </p:sp>
+        <p:sp>
+          <p:nvSpPr>
+            <p:cNvPr id="458" name="직사각형 457"/>
+            <p:cNvSpPr/>
+            <p:nvPr/>
+          </p:nvSpPr>
+          <p:spPr>
+            <a:xfrm>
+              <a:off x="9949135" y="13598664"/>
+              <a:ext cx="1556992" cy="726131"/>
+            </a:xfrm>
+            <a:prstGeom prst="rect">
+              <a:avLst/>
+            </a:prstGeom>
+            <a:noFill/>
+            <a:ln w="31750">
+              <a:solidFill>
+                <a:schemeClr val="accent1">
+                  <a:shade val="50000"/>
+                </a:schemeClr>
+              </a:solidFill>
+            </a:ln>
+          </p:spPr>
+          <p:style>
+            <a:lnRef idx="2">
+              <a:schemeClr val="accent1">
+                <a:shade val="50000"/>
+              </a:schemeClr>
+            </a:lnRef>
+            <a:fillRef idx="1">
+              <a:schemeClr val="accent1"/>
+            </a:fillRef>
+            <a:effectRef idx="0">
+              <a:schemeClr val="accent1"/>
+            </a:effectRef>
+            <a:fontRef idx="minor">
+              <a:schemeClr val="lt1"/>
+            </a:fontRef>
+          </p:style>
+          <p:txBody>
+            <a:bodyPr rtlCol="0" anchor="ctr"/>
+            <a:lstStyle/>
+            <a:p>
+              <a:pPr algn="ctr"/>
+              <a:r>
+                <a:rPr lang="ko-KR" altLang="en-US" sz="1100" dirty="0">
+                  <a:solidFill>
+                    <a:sysClr val="windowText" lastClr="000000"/>
+                  </a:solidFill>
+                </a:rPr>
+                <a:t>서브메뉴번호 입력</a:t>
+              </a:r>
+            </a:p>
+          </p:txBody>
+        </p:sp>
+        <p:sp>
+          <p:nvSpPr>
+            <p:cNvPr id="459" name="직사각형 458"/>
+            <p:cNvSpPr/>
+            <p:nvPr/>
+          </p:nvSpPr>
+          <p:spPr>
+            <a:xfrm>
+              <a:off x="11662132" y="13611169"/>
+              <a:ext cx="1556992" cy="726131"/>
+            </a:xfrm>
+            <a:prstGeom prst="rect">
+              <a:avLst/>
+            </a:prstGeom>
+            <a:noFill/>
+            <a:ln w="31750">
+              <a:solidFill>
+                <a:schemeClr val="accent1">
+                  <a:shade val="50000"/>
+                </a:schemeClr>
+              </a:solidFill>
+            </a:ln>
+          </p:spPr>
+          <p:style>
+            <a:lnRef idx="2">
+              <a:schemeClr val="accent1">
+                <a:shade val="50000"/>
+              </a:schemeClr>
+            </a:lnRef>
+            <a:fillRef idx="1">
+              <a:schemeClr val="accent1"/>
+            </a:fillRef>
+            <a:effectRef idx="0">
+              <a:schemeClr val="accent1"/>
+            </a:effectRef>
+            <a:fontRef idx="minor">
+              <a:schemeClr val="lt1"/>
+            </a:fontRef>
+          </p:style>
+          <p:txBody>
+            <a:bodyPr rtlCol="0" anchor="ctr"/>
+            <a:lstStyle/>
+            <a:p>
+              <a:pPr algn="ctr"/>
+              <a:r>
+                <a:rPr lang="ko-KR" altLang="en-US" sz="1100" dirty="0">
+                  <a:solidFill>
+                    <a:sysClr val="windowText" lastClr="000000"/>
+                  </a:solidFill>
+                </a:rPr>
+                <a:t>서브메뉴번호</a:t>
+              </a:r>
+              <a:endParaRPr lang="en-US" altLang="ko-KR" sz="1100" dirty="0">
+                <a:solidFill>
+                  <a:sysClr val="windowText" lastClr="000000"/>
+                </a:solidFill>
+              </a:endParaRPr>
+            </a:p>
+            <a:p>
+              <a:pPr algn="ctr"/>
+              <a:r>
+                <a:rPr lang="ko-KR" altLang="en-US" sz="1100" dirty="0">
+                  <a:solidFill>
+                    <a:sysClr val="windowText" lastClr="000000"/>
+                  </a:solidFill>
+                </a:rPr>
+                <a:t>확인</a:t>
+              </a:r>
+            </a:p>
+          </p:txBody>
+        </p:sp>
+        <p:grpSp>
+          <p:nvGrpSpPr>
+            <p:cNvPr id="460" name="그룹 459"/>
+            <p:cNvGrpSpPr/>
+            <p:nvPr/>
+          </p:nvGrpSpPr>
+          <p:grpSpPr>
+            <a:xfrm>
+              <a:off x="9613149" y="12457560"/>
+              <a:ext cx="3281756" cy="740779"/>
+              <a:chOff x="2403848" y="-3562462"/>
+              <a:chExt cx="3606656" cy="1001641"/>
+            </a:xfrm>
+          </p:grpSpPr>
+          <p:grpSp>
+            <p:nvGrpSpPr>
+              <p:cNvPr id="461" name="그룹 460"/>
+              <p:cNvGrpSpPr/>
+              <p:nvPr/>
+            </p:nvGrpSpPr>
+            <p:grpSpPr>
+              <a:xfrm rot="6067542">
+                <a:off x="2416872" y="-3195923"/>
+                <a:ext cx="465295" cy="429840"/>
+                <a:chOff x="5764817" y="2081712"/>
+                <a:chExt cx="465295" cy="429840"/>
+              </a:xfrm>
+            </p:grpSpPr>
+            <p:sp>
+              <p:nvSpPr>
+                <p:cNvPr id="470" name="타원 469"/>
+                <p:cNvSpPr/>
+                <p:nvPr/>
+              </p:nvSpPr>
+              <p:spPr>
+                <a:xfrm>
+                  <a:off x="5764817" y="2081712"/>
+                  <a:ext cx="254984" cy="254984"/>
+                </a:xfrm>
+                <a:prstGeom prst="ellipse">
+                  <a:avLst/>
+                </a:prstGeom>
+                <a:noFill/>
+                <a:ln w="38100">
+                  <a:solidFill>
+                    <a:schemeClr val="accent1"/>
+                  </a:solidFill>
+                </a:ln>
+              </p:spPr>
+              <p:style>
+                <a:lnRef idx="2">
+                  <a:schemeClr val="accent1">
+                    <a:shade val="50000"/>
+                  </a:schemeClr>
+                </a:lnRef>
+                <a:fillRef idx="1">
+                  <a:schemeClr val="accent1"/>
+                </a:fillRef>
+                <a:effectRef idx="0">
+                  <a:schemeClr val="accent1"/>
+                </a:effectRef>
+                <a:fontRef idx="minor">
+                  <a:schemeClr val="lt1"/>
+                </a:fontRef>
+              </p:style>
+              <p:txBody>
+                <a:bodyPr rtlCol="0" anchor="ctr"/>
+                <a:lstStyle/>
+                <a:p>
+                  <a:pPr algn="ctr"/>
+                  <a:endParaRPr lang="ko-KR" altLang="en-US"/>
+                </a:p>
+              </p:txBody>
+            </p:sp>
+            <p:cxnSp>
+              <p:nvCxnSpPr>
+                <p:cNvPr id="471" name="직선 연결선 470"/>
+                <p:cNvCxnSpPr>
+                  <a:endCxn id="470" idx="5"/>
+                </p:cNvCxnSpPr>
+                <p:nvPr/>
+              </p:nvCxnSpPr>
+              <p:spPr>
+                <a:xfrm flipH="1" flipV="1">
+                  <a:off x="5982459" y="2299354"/>
+                  <a:ext cx="247653" cy="212198"/>
+                </a:xfrm>
+                <a:prstGeom prst="line">
+                  <a:avLst/>
+                </a:prstGeom>
+                <a:ln w="38100">
+                  <a:headEnd type="stealth" w="lg" len="lg"/>
+                </a:ln>
+              </p:spPr>
+              <p:style>
+                <a:lnRef idx="1">
+                  <a:schemeClr val="accent1"/>
+                </a:lnRef>
+                <a:fillRef idx="0">
+                  <a:schemeClr val="accent1"/>
+                </a:fillRef>
+                <a:effectRef idx="0">
+                  <a:schemeClr val="accent1"/>
+                </a:effectRef>
+                <a:fontRef idx="minor">
+                  <a:schemeClr val="tx1"/>
+                </a:fontRef>
+              </p:style>
+            </p:cxnSp>
+          </p:grpSp>
+          <p:sp>
+            <p:nvSpPr>
+              <p:cNvPr id="462" name="TextBox 461"/>
+              <p:cNvSpPr txBox="1"/>
+              <p:nvPr/>
+            </p:nvSpPr>
+            <p:spPr>
+              <a:xfrm>
+                <a:off x="2403848" y="-3514036"/>
+                <a:ext cx="569387" cy="246221"/>
+              </a:xfrm>
+              <a:prstGeom prst="rect">
+                <a:avLst/>
+              </a:prstGeom>
+              <a:noFill/>
+            </p:spPr>
+            <p:txBody>
+              <a:bodyPr wrap="none" rtlCol="0">
+                <a:spAutoFit/>
+              </a:bodyPr>
+              <a:lstStyle/>
+              <a:p>
+                <a:r>
+                  <a:rPr lang="ko-KR" altLang="en-US" sz="1000" dirty="0" err="1"/>
+                  <a:t>화면명</a:t>
+                </a:r>
+                <a:endParaRPr lang="ko-KR" altLang="en-US" sz="1000" dirty="0"/>
+              </a:p>
+            </p:txBody>
+          </p:sp>
+          <p:grpSp>
+            <p:nvGrpSpPr>
+              <p:cNvPr id="463" name="그룹 462"/>
+              <p:cNvGrpSpPr/>
+              <p:nvPr/>
+            </p:nvGrpSpPr>
+            <p:grpSpPr>
+              <a:xfrm rot="6067542">
+                <a:off x="3705790" y="-3008388"/>
+                <a:ext cx="465295" cy="429840"/>
+                <a:chOff x="5764817" y="2081712"/>
+                <a:chExt cx="465295" cy="429840"/>
+              </a:xfrm>
+            </p:grpSpPr>
+            <p:sp>
+              <p:nvSpPr>
+                <p:cNvPr id="468" name="타원 467"/>
+                <p:cNvSpPr/>
+                <p:nvPr/>
+              </p:nvSpPr>
+              <p:spPr>
+                <a:xfrm>
+                  <a:off x="5764817" y="2081712"/>
+                  <a:ext cx="254984" cy="254984"/>
+                </a:xfrm>
+                <a:prstGeom prst="ellipse">
+                  <a:avLst/>
+                </a:prstGeom>
+                <a:noFill/>
+                <a:ln w="38100">
+                  <a:solidFill>
+                    <a:schemeClr val="accent1"/>
+                  </a:solidFill>
+                </a:ln>
+              </p:spPr>
+              <p:style>
+                <a:lnRef idx="2">
+                  <a:schemeClr val="accent1">
+                    <a:shade val="50000"/>
+                  </a:schemeClr>
+                </a:lnRef>
+                <a:fillRef idx="1">
+                  <a:schemeClr val="accent1"/>
+                </a:fillRef>
+                <a:effectRef idx="0">
+                  <a:schemeClr val="accent1"/>
+                </a:effectRef>
+                <a:fontRef idx="minor">
+                  <a:schemeClr val="lt1"/>
+                </a:fontRef>
+              </p:style>
+              <p:txBody>
+                <a:bodyPr rtlCol="0" anchor="ctr"/>
+                <a:lstStyle/>
+                <a:p>
+                  <a:pPr algn="ctr"/>
+                  <a:endParaRPr lang="ko-KR" altLang="en-US"/>
+                </a:p>
+              </p:txBody>
+            </p:sp>
+            <p:cxnSp>
+              <p:nvCxnSpPr>
+                <p:cNvPr id="469" name="직선 연결선 468"/>
+                <p:cNvCxnSpPr>
+                  <a:endCxn id="468" idx="5"/>
+                </p:cNvCxnSpPr>
+                <p:nvPr/>
+              </p:nvCxnSpPr>
+              <p:spPr>
+                <a:xfrm flipH="1" flipV="1">
+                  <a:off x="5982459" y="2299354"/>
+                  <a:ext cx="247653" cy="212198"/>
+                </a:xfrm>
+                <a:prstGeom prst="line">
+                  <a:avLst/>
+                </a:prstGeom>
+                <a:ln w="38100">
+                  <a:headEnd type="stealth" w="lg" len="lg"/>
+                </a:ln>
+              </p:spPr>
+              <p:style>
+                <a:lnRef idx="1">
+                  <a:schemeClr val="accent1"/>
+                </a:lnRef>
+                <a:fillRef idx="0">
+                  <a:schemeClr val="accent1"/>
+                </a:fillRef>
+                <a:effectRef idx="0">
+                  <a:schemeClr val="accent1"/>
+                </a:effectRef>
+                <a:fontRef idx="minor">
+                  <a:schemeClr val="tx1"/>
+                </a:fontRef>
+              </p:style>
+            </p:cxnSp>
+          </p:grpSp>
+          <p:sp>
+            <p:nvSpPr>
+              <p:cNvPr id="464" name="TextBox 463"/>
+              <p:cNvSpPr txBox="1"/>
+              <p:nvPr/>
+            </p:nvSpPr>
+            <p:spPr>
+              <a:xfrm>
+                <a:off x="3453177" y="-3326500"/>
+                <a:ext cx="1048565" cy="541007"/>
+              </a:xfrm>
+              <a:prstGeom prst="rect">
+                <a:avLst/>
+              </a:prstGeom>
+              <a:noFill/>
+            </p:spPr>
+            <p:txBody>
+              <a:bodyPr wrap="none" rtlCol="0">
+                <a:spAutoFit/>
+              </a:bodyPr>
+              <a:lstStyle/>
+              <a:p>
+                <a:pPr algn="ctr"/>
+                <a:r>
+                  <a:rPr lang="ko-KR" altLang="en-US" sz="1000" dirty="0"/>
+                  <a:t>서브메뉴번호</a:t>
+                </a:r>
+                <a:endParaRPr lang="en-US" altLang="ko-KR" sz="1000" dirty="0"/>
+              </a:p>
+              <a:p>
+                <a:pPr algn="ctr"/>
+                <a:r>
+                  <a:rPr lang="ko-KR" altLang="en-US" sz="1000" dirty="0"/>
+                  <a:t> </a:t>
+                </a:r>
+              </a:p>
+            </p:txBody>
+          </p:sp>
+          <p:sp>
+            <p:nvSpPr>
+              <p:cNvPr id="465" name="타원 464"/>
+              <p:cNvSpPr/>
+              <p:nvPr/>
+            </p:nvSpPr>
+            <p:spPr>
+              <a:xfrm>
+                <a:off x="5239376" y="-2816274"/>
+                <a:ext cx="254984" cy="254984"/>
+              </a:xfrm>
+              <a:prstGeom prst="ellipse">
+                <a:avLst/>
+              </a:prstGeom>
+              <a:solidFill>
+                <a:schemeClr val="accent1"/>
+              </a:solidFill>
+              <a:ln w="38100">
+                <a:solidFill>
+                  <a:schemeClr val="accent1"/>
+                </a:solidFill>
+              </a:ln>
+            </p:spPr>
+            <p:style>
+              <a:lnRef idx="2">
+                <a:schemeClr val="accent1">
+                  <a:shade val="50000"/>
+                </a:schemeClr>
+              </a:lnRef>
+              <a:fillRef idx="1">
+                <a:schemeClr val="accent1"/>
+              </a:fillRef>
+              <a:effectRef idx="0">
+                <a:schemeClr val="accent1"/>
+              </a:effectRef>
+              <a:fontRef idx="minor">
+                <a:schemeClr val="lt1"/>
+              </a:fontRef>
+            </p:style>
+            <p:txBody>
+              <a:bodyPr rtlCol="0" anchor="ctr"/>
+              <a:lstStyle/>
+              <a:p>
+                <a:pPr algn="ctr"/>
+                <a:endParaRPr lang="ko-KR" altLang="en-US"/>
+              </a:p>
+            </p:txBody>
+          </p:sp>
+          <p:cxnSp>
+            <p:nvCxnSpPr>
+              <p:cNvPr id="466" name="직선 연결선 465"/>
+              <p:cNvCxnSpPr>
+                <a:endCxn id="465" idx="0"/>
+              </p:cNvCxnSpPr>
+              <p:nvPr/>
+            </p:nvCxnSpPr>
+            <p:spPr>
+              <a:xfrm flipH="1">
+                <a:off x="5366868" y="-3190871"/>
+                <a:ext cx="127492" cy="374597"/>
+              </a:xfrm>
+              <a:prstGeom prst="line">
+                <a:avLst/>
+              </a:prstGeom>
+              <a:ln w="38100">
+                <a:headEnd type="stealth" w="lg" len="lg"/>
+              </a:ln>
+            </p:spPr>
+            <p:style>
+              <a:lnRef idx="1">
+                <a:schemeClr val="accent1"/>
+              </a:lnRef>
+              <a:fillRef idx="0">
+                <a:schemeClr val="accent1"/>
+              </a:fillRef>
+              <a:effectRef idx="0">
+                <a:schemeClr val="accent1"/>
+              </a:effectRef>
+              <a:fontRef idx="minor">
+                <a:schemeClr val="tx1"/>
+              </a:fontRef>
+            </p:style>
+          </p:cxnSp>
+          <p:sp>
+            <p:nvSpPr>
+              <p:cNvPr id="467" name="TextBox 466"/>
+              <p:cNvSpPr txBox="1"/>
+              <p:nvPr/>
+            </p:nvSpPr>
+            <p:spPr>
+              <a:xfrm>
+                <a:off x="4961939" y="-3562462"/>
+                <a:ext cx="1048565" cy="541007"/>
+              </a:xfrm>
+              <a:prstGeom prst="rect">
+                <a:avLst/>
+              </a:prstGeom>
+              <a:noFill/>
+            </p:spPr>
+            <p:txBody>
+              <a:bodyPr wrap="none" rtlCol="0">
+                <a:spAutoFit/>
+              </a:bodyPr>
+              <a:lstStyle/>
+              <a:p>
+                <a:pPr algn="ctr"/>
+                <a:r>
+                  <a:rPr lang="ko-KR" altLang="en-US" sz="1000" dirty="0"/>
+                  <a:t>서브메뉴번호</a:t>
+                </a:r>
+                <a:endParaRPr lang="en-US" altLang="ko-KR" sz="1000" dirty="0"/>
+              </a:p>
+              <a:p>
+                <a:pPr algn="ctr"/>
+                <a:r>
+                  <a:rPr lang="en-US" altLang="ko-KR" sz="1000" dirty="0"/>
+                  <a:t>Flag</a:t>
+                </a:r>
+              </a:p>
+            </p:txBody>
+          </p:sp>
+        </p:grpSp>
+        <p:cxnSp>
+          <p:nvCxnSpPr>
+            <p:cNvPr id="473" name="직선 화살표 연결선 472"/>
+            <p:cNvCxnSpPr>
+              <a:stCxn id="474" idx="2"/>
+              <a:endCxn id="449" idx="0"/>
+            </p:cNvCxnSpPr>
+            <p:nvPr/>
+          </p:nvCxnSpPr>
+          <p:spPr>
+            <a:xfrm>
+              <a:off x="13362489" y="11128131"/>
+              <a:ext cx="3825499" cy="2702169"/>
+            </a:xfrm>
+            <a:prstGeom prst="straightConnector1">
+              <a:avLst/>
+            </a:prstGeom>
+            <a:ln w="38100">
+              <a:headEnd w="lg" len="lg"/>
+              <a:tailEnd type="triangle"/>
+            </a:ln>
+          </p:spPr>
+          <p:style>
+            <a:lnRef idx="1">
+              <a:schemeClr val="accent1"/>
+            </a:lnRef>
+            <a:fillRef idx="0">
+              <a:schemeClr val="accent1"/>
+            </a:fillRef>
+            <a:effectRef idx="0">
+              <a:schemeClr val="accent1"/>
+            </a:effectRef>
+            <a:fontRef idx="minor">
+              <a:schemeClr val="tx1"/>
+            </a:fontRef>
+          </p:style>
+        </p:cxnSp>
+        <p:sp>
+          <p:nvSpPr>
+            <p:cNvPr id="474" name="직사각형 473"/>
+            <p:cNvSpPr/>
+            <p:nvPr/>
+          </p:nvSpPr>
+          <p:spPr>
+            <a:xfrm>
+              <a:off x="12583993" y="10402000"/>
+              <a:ext cx="1556992" cy="726131"/>
+            </a:xfrm>
+            <a:prstGeom prst="rect">
+              <a:avLst/>
+            </a:prstGeom>
+            <a:noFill/>
+            <a:ln w="31750">
+              <a:solidFill>
+                <a:schemeClr val="accent1">
+                  <a:shade val="50000"/>
+                </a:schemeClr>
+              </a:solidFill>
+            </a:ln>
+          </p:spPr>
+          <p:style>
+            <a:lnRef idx="2">
+              <a:schemeClr val="accent1">
+                <a:shade val="50000"/>
+              </a:schemeClr>
+            </a:lnRef>
+            <a:fillRef idx="1">
+              <a:schemeClr val="accent1"/>
+            </a:fillRef>
+            <a:effectRef idx="0">
+              <a:schemeClr val="accent1"/>
+            </a:effectRef>
+            <a:fontRef idx="minor">
+              <a:schemeClr val="lt1"/>
+            </a:fontRef>
+          </p:style>
+          <p:txBody>
+            <a:bodyPr rtlCol="0" anchor="ctr"/>
+            <a:lstStyle/>
+            <a:p>
+              <a:pPr algn="ctr"/>
+              <a:r>
+                <a:rPr lang="ko-KR" altLang="en-US" sz="1100" dirty="0">
+                  <a:solidFill>
+                    <a:sysClr val="windowText" lastClr="000000"/>
+                  </a:solidFill>
+                </a:rPr>
+                <a:t>강의 평가 관리</a:t>
+              </a:r>
+            </a:p>
+          </p:txBody>
+        </p:sp>
+        <p:cxnSp>
+          <p:nvCxnSpPr>
+            <p:cNvPr id="476" name="직선 화살표 연결선 475"/>
+            <p:cNvCxnSpPr>
+              <a:stCxn id="474" idx="2"/>
+              <a:endCxn id="458" idx="0"/>
+            </p:cNvCxnSpPr>
+            <p:nvPr/>
+          </p:nvCxnSpPr>
+          <p:spPr>
+            <a:xfrm flipH="1">
+              <a:off x="10727631" y="11128131"/>
+              <a:ext cx="2634858" cy="2470533"/>
+            </a:xfrm>
+            <a:prstGeom prst="straightConnector1">
+              <a:avLst/>
+            </a:prstGeom>
+            <a:ln w="38100">
+              <a:headEnd w="lg" len="lg"/>
+              <a:tailEnd type="triangle"/>
+            </a:ln>
+          </p:spPr>
+          <p:style>
+            <a:lnRef idx="1">
+              <a:schemeClr val="accent1"/>
+            </a:lnRef>
+            <a:fillRef idx="0">
+              <a:schemeClr val="accent1"/>
+            </a:fillRef>
+            <a:effectRef idx="0">
+              <a:schemeClr val="accent1"/>
+            </a:effectRef>
+            <a:fontRef idx="minor">
+              <a:schemeClr val="tx1"/>
+            </a:fontRef>
+          </p:style>
+        </p:cxnSp>
+        <p:cxnSp>
+          <p:nvCxnSpPr>
+            <p:cNvPr id="477" name="직선 화살표 연결선 476"/>
+            <p:cNvCxnSpPr>
+              <a:stCxn id="474" idx="2"/>
+              <a:endCxn id="457" idx="0"/>
+            </p:cNvCxnSpPr>
+            <p:nvPr/>
+          </p:nvCxnSpPr>
+          <p:spPr>
+            <a:xfrm flipH="1">
+              <a:off x="8975984" y="11128131"/>
+              <a:ext cx="4386505" cy="2455358"/>
+            </a:xfrm>
+            <a:prstGeom prst="straightConnector1">
+              <a:avLst/>
+            </a:prstGeom>
+            <a:ln w="38100">
+              <a:headEnd w="lg" len="lg"/>
+              <a:tailEnd type="triangle"/>
+            </a:ln>
+          </p:spPr>
+          <p:style>
+            <a:lnRef idx="1">
+              <a:schemeClr val="accent1"/>
+            </a:lnRef>
+            <a:fillRef idx="0">
+              <a:schemeClr val="accent1"/>
+            </a:fillRef>
+            <a:effectRef idx="0">
+              <a:schemeClr val="accent1"/>
+            </a:effectRef>
+            <a:fontRef idx="minor">
+              <a:schemeClr val="tx1"/>
+            </a:fontRef>
+          </p:style>
+        </p:cxnSp>
+      </p:grpSp>
       <p:sp>
         <p:nvSpPr>
-          <p:cNvPr id="449" name="순서도: 다른 페이지 연결선 4"/>
-          <p:cNvSpPr/>
+          <p:cNvPr id="40" name="TextBox 39"/>
+          <p:cNvSpPr txBox="1"/>
           <p:nvPr/>
         </p:nvSpPr>
         <p:spPr>
           <a:xfrm>
-            <a:off x="16692390" y="13830300"/>
-            <a:ext cx="991195" cy="1002366"/>
+            <a:off x="16699647" y="2977748"/>
+            <a:ext cx="1462191" cy="1169551"/>
           </a:xfrm>
-          <a:prstGeom prst="flowChartOffpageConnector">
+          <a:prstGeom prst="rect">
             <a:avLst/>
           </a:prstGeom>
           <a:noFill/>
-          <a:ln w="31750">
-            <a:solidFill>
-              <a:schemeClr val="accent1">
-                <a:shade val="50000"/>
-              </a:schemeClr>
-            </a:solidFill>
-          </a:ln>
         </p:spPr>
-        <p:style>
-          <a:lnRef idx="2">
-            <a:schemeClr val="accent1">
-              <a:shade val="50000"/>
-            </a:schemeClr>
-          </a:lnRef>
-          <a:fillRef idx="1">
-            <a:schemeClr val="accent1"/>
-          </a:fillRef>
-          <a:effectRef idx="0">
-            <a:schemeClr val="accent1"/>
-          </a:effectRef>
-          <a:fontRef idx="minor">
-            <a:schemeClr val="lt1"/>
-          </a:fontRef>
-        </p:style>
         <p:txBody>
-          <a:bodyPr rtlCol="0" anchor="ctr"/>
+          <a:bodyPr wrap="square" rtlCol="0">
+            <a:spAutoFit/>
+          </a:bodyPr>
           <a:lstStyle/>
           <a:p>
-            <a:pPr algn="ctr"/>
             <a:r>
-              <a:rPr lang="ko-KR" altLang="en-US" sz="1100" dirty="0">
-                <a:solidFill>
-                  <a:schemeClr val="tx1"/>
-                </a:solidFill>
+              <a:rPr lang="en-US" altLang="ko-KR" sz="7000" dirty="0" smtClean="0">
+                <a:latin typeface="+mn-ea"/>
               </a:rPr>
-              <a:t>서브메뉴</a:t>
+              <a:t>“1”</a:t>
             </a:r>
-            <a:endParaRPr lang="en-US" altLang="ko-KR" sz="1100" dirty="0">
-              <a:solidFill>
-                <a:schemeClr val="tx1"/>
-              </a:solidFill>
+            <a:endParaRPr lang="ko-KR" altLang="en-US" sz="7000" dirty="0">
+              <a:latin typeface="+mn-ea"/>
             </a:endParaRPr>
-          </a:p>
-          <a:p>
-            <a:pPr algn="ctr"/>
-            <a:r>
-              <a:rPr lang="ko-KR" altLang="en-US" sz="1100" dirty="0">
-                <a:solidFill>
-                  <a:schemeClr val="tx1"/>
-                </a:solidFill>
-              </a:rPr>
-              <a:t>선택</a:t>
-            </a:r>
-          </a:p>
-        </p:txBody>
-      </p:sp>
-      <p:sp>
-        <p:nvSpPr>
-          <p:cNvPr id="450" name="다이아몬드 449"/>
-          <p:cNvSpPr/>
-          <p:nvPr/>
-        </p:nvSpPr>
-        <p:spPr>
-          <a:xfrm>
-            <a:off x="16975829" y="14833672"/>
-            <a:ext cx="424317" cy="424317"/>
-          </a:xfrm>
-          <a:prstGeom prst="diamond">
-            <a:avLst/>
-          </a:prstGeom>
-        </p:spPr>
-        <p:style>
-          <a:lnRef idx="2">
-            <a:schemeClr val="accent1">
-              <a:shade val="50000"/>
-            </a:schemeClr>
-          </a:lnRef>
-          <a:fillRef idx="1">
-            <a:schemeClr val="accent1"/>
-          </a:fillRef>
-          <a:effectRef idx="0">
-            <a:schemeClr val="accent1"/>
-          </a:effectRef>
-          <a:fontRef idx="minor">
-            <a:schemeClr val="lt1"/>
-          </a:fontRef>
-        </p:style>
-        <p:txBody>
-          <a:bodyPr rtlCol="0" anchor="ctr"/>
-          <a:lstStyle/>
-          <a:p>
-            <a:pPr algn="ctr"/>
-            <a:endParaRPr lang="ko-KR" altLang="en-US"/>
           </a:p>
         </p:txBody>
       </p:sp>
       <p:cxnSp>
         <p:nvCxnSpPr>
-          <p:cNvPr id="451" name="직선 화살표 연결선 450"/>
+          <p:cNvPr id="45" name="직선 화살표 연결선 44"/>
           <p:cNvCxnSpPr>
             <a:stCxn id="450" idx="2"/>
-            <a:endCxn id="363" idx="0"/>
+            <a:endCxn id="70" idx="0"/>
           </p:cNvCxnSpPr>
           <p:nvPr/>
         </p:nvCxnSpPr>
         <p:spPr>
-          <a:xfrm>
-            <a:off x="17187988" y="15257989"/>
-            <a:ext cx="15431879" cy="2559939"/>
+          <a:xfrm flipH="1">
+            <a:off x="3417451" y="3833556"/>
+            <a:ext cx="17295373" cy="2099314"/>
           </a:xfrm>
           <a:prstGeom prst="straightConnector1">
             <a:avLst/>
           </a:prstGeom>
-          <a:ln w="38100">
-            <a:headEnd w="lg" len="lg"/>
+          <a:ln w="57150">
             <a:tailEnd type="triangle"/>
           </a:ln>
         </p:spPr>
@@ -16105,23 +16948,22 @@
       </p:cxnSp>
       <p:cxnSp>
         <p:nvCxnSpPr>
-          <p:cNvPr id="452" name="직선 화살표 연결선 451"/>
+          <p:cNvPr id="47" name="직선 화살표 연결선 46"/>
           <p:cNvCxnSpPr>
             <a:stCxn id="450" idx="2"/>
-            <a:endCxn id="280" idx="0"/>
+            <a:endCxn id="363" idx="0"/>
           </p:cNvCxnSpPr>
           <p:nvPr/>
         </p:nvCxnSpPr>
         <p:spPr>
           <a:xfrm>
-            <a:off x="17187988" y="15257989"/>
-            <a:ext cx="3029470" cy="2559939"/>
+            <a:off x="20712824" y="3833556"/>
+            <a:ext cx="7723682" cy="1062078"/>
           </a:xfrm>
           <a:prstGeom prst="straightConnector1">
             <a:avLst/>
           </a:prstGeom>
-          <a:ln w="38100">
-            <a:headEnd w="lg" len="lg"/>
+          <a:ln w="57150">
             <a:tailEnd type="triangle"/>
           </a:ln>
         </p:spPr>
@@ -16142,23 +16984,22 @@
       </p:cxnSp>
       <p:cxnSp>
         <p:nvCxnSpPr>
-          <p:cNvPr id="453" name="직선 화살표 연결선 452"/>
+          <p:cNvPr id="51" name="직선 화살표 연결선 50"/>
           <p:cNvCxnSpPr>
             <a:stCxn id="450" idx="2"/>
-            <a:endCxn id="233" idx="0"/>
+            <a:endCxn id="280" idx="0"/>
           </p:cNvCxnSpPr>
           <p:nvPr/>
         </p:nvCxnSpPr>
         <p:spPr>
-          <a:xfrm flipH="1">
-            <a:off x="8590740" y="15257989"/>
-            <a:ext cx="8597248" cy="2561599"/>
+          <a:xfrm>
+            <a:off x="20712824" y="3833556"/>
+            <a:ext cx="7430072" cy="12705093"/>
           </a:xfrm>
           <a:prstGeom prst="straightConnector1">
             <a:avLst/>
           </a:prstGeom>
-          <a:ln w="38100">
-            <a:headEnd w="lg" len="lg"/>
+          <a:ln w="57150">
             <a:tailEnd type="triangle"/>
           </a:ln>
         </p:spPr>
@@ -16179,7 +17020,7 @@
       </p:cxnSp>
       <p:cxnSp>
         <p:nvCxnSpPr>
-          <p:cNvPr id="455" name="직선 화살표 연결선 454"/>
+          <p:cNvPr id="484" name="직선 화살표 연결선 483"/>
           <p:cNvCxnSpPr>
             <a:stCxn id="450" idx="2"/>
             <a:endCxn id="148" idx="0"/>
@@ -16188,14 +17029,13 @@
         </p:nvCxnSpPr>
         <p:spPr>
           <a:xfrm flipH="1">
-            <a:off x="-2345387" y="15257989"/>
-            <a:ext cx="19533375" cy="2559939"/>
+            <a:off x="3958042" y="3833556"/>
+            <a:ext cx="16754782" cy="13637526"/>
           </a:xfrm>
           <a:prstGeom prst="straightConnector1">
             <a:avLst/>
           </a:prstGeom>
-          <a:ln w="38100">
-            <a:headEnd w="lg" len="lg"/>
+          <a:ln w="57150">
             <a:tailEnd type="triangle"/>
           </a:ln>
         </p:spPr>
@@ -16216,23 +17056,58 @@
       </p:cxnSp>
       <p:cxnSp>
         <p:nvCxnSpPr>
-          <p:cNvPr id="456" name="직선 화살표 연결선 455"/>
+          <p:cNvPr id="66" name="직선 화살표 연결선 65"/>
           <p:cNvCxnSpPr>
             <a:stCxn id="450" idx="2"/>
-            <a:endCxn id="70" idx="0"/>
+            <a:endCxn id="233" idx="0"/>
           </p:cNvCxnSpPr>
           <p:nvPr/>
         </p:nvCxnSpPr>
         <p:spPr>
           <a:xfrm flipH="1">
-            <a:off x="-12964402" y="15257989"/>
-            <a:ext cx="30152390" cy="2559939"/>
+            <a:off x="10635172" y="3833556"/>
+            <a:ext cx="10077652" cy="24207367"/>
           </a:xfrm>
           <a:prstGeom prst="straightConnector1">
             <a:avLst/>
           </a:prstGeom>
-          <a:ln w="38100">
-            <a:headEnd w="lg" len="lg"/>
+          <a:ln w="57150">
+            <a:tailEnd type="triangle"/>
+          </a:ln>
+        </p:spPr>
+        <p:style>
+          <a:lnRef idx="1">
+            <a:schemeClr val="accent1"/>
+          </a:lnRef>
+          <a:fillRef idx="0">
+            <a:schemeClr val="accent1"/>
+          </a:fillRef>
+          <a:effectRef idx="0">
+            <a:schemeClr val="accent1"/>
+          </a:effectRef>
+          <a:fontRef idx="minor">
+            <a:schemeClr val="tx1"/>
+          </a:fontRef>
+        </p:style>
+      </p:cxnSp>
+      <p:cxnSp>
+        <p:nvCxnSpPr>
+          <p:cNvPr id="72" name="직선 화살표 연결선 71"/>
+          <p:cNvCxnSpPr>
+            <a:stCxn id="450" idx="2"/>
+            <a:endCxn id="424" idx="0"/>
+          </p:cNvCxnSpPr>
+          <p:nvPr/>
+        </p:nvCxnSpPr>
+        <p:spPr>
+          <a:xfrm>
+            <a:off x="20712824" y="3833556"/>
+            <a:ext cx="5456507" cy="24069033"/>
+          </a:xfrm>
+          <a:prstGeom prst="straightConnector1">
+            <a:avLst/>
+          </a:prstGeom>
+          <a:ln w="57150">
             <a:tailEnd type="triangle"/>
           </a:ln>
         </p:spPr>
@@ -16253,784 +17128,174 @@
       </p:cxnSp>
       <p:sp>
         <p:nvSpPr>
-          <p:cNvPr id="457" name="직사각형 456"/>
-          <p:cNvSpPr/>
+          <p:cNvPr id="512" name="TextBox 511"/>
+          <p:cNvSpPr txBox="1"/>
           <p:nvPr/>
         </p:nvSpPr>
         <p:spPr>
           <a:xfrm>
-            <a:off x="8197488" y="13583489"/>
-            <a:ext cx="1556992" cy="726131"/>
+            <a:off x="16565595" y="4966860"/>
+            <a:ext cx="1462191" cy="1169551"/>
           </a:xfrm>
           <a:prstGeom prst="rect">
             <a:avLst/>
           </a:prstGeom>
           <a:noFill/>
-          <a:ln w="31750">
-            <a:solidFill>
-              <a:schemeClr val="accent1">
-                <a:shade val="50000"/>
-              </a:schemeClr>
-            </a:solidFill>
-          </a:ln>
         </p:spPr>
-        <p:style>
-          <a:lnRef idx="2">
-            <a:schemeClr val="accent1">
-              <a:shade val="50000"/>
-            </a:schemeClr>
-          </a:lnRef>
-          <a:fillRef idx="1">
-            <a:schemeClr val="accent1"/>
-          </a:fillRef>
-          <a:effectRef idx="0">
-            <a:schemeClr val="accent1"/>
-          </a:effectRef>
-          <a:fontRef idx="minor">
-            <a:schemeClr val="lt1"/>
-          </a:fontRef>
-        </p:style>
         <p:txBody>
-          <a:bodyPr rtlCol="0" anchor="ctr"/>
+          <a:bodyPr wrap="square" rtlCol="0">
+            <a:spAutoFit/>
+          </a:bodyPr>
           <a:lstStyle/>
           <a:p>
-            <a:pPr algn="ctr"/>
             <a:r>
-              <a:rPr lang="ko-KR" altLang="en-US" sz="1100" dirty="0">
-                <a:solidFill>
-                  <a:sysClr val="windowText" lastClr="000000"/>
-                </a:solidFill>
+              <a:rPr lang="en-US" altLang="ko-KR" sz="7000" dirty="0" smtClean="0">
+                <a:latin typeface="+mn-ea"/>
               </a:rPr>
-              <a:t>화면출력</a:t>
+              <a:t>“2”</a:t>
             </a:r>
+            <a:endParaRPr lang="ko-KR" altLang="en-US" sz="7000" dirty="0">
+              <a:latin typeface="+mn-ea"/>
+            </a:endParaRPr>
           </a:p>
         </p:txBody>
       </p:sp>
       <p:sp>
         <p:nvSpPr>
-          <p:cNvPr id="458" name="직사각형 457"/>
-          <p:cNvSpPr/>
+          <p:cNvPr id="513" name="TextBox 512"/>
+          <p:cNvSpPr txBox="1"/>
           <p:nvPr/>
         </p:nvSpPr>
         <p:spPr>
           <a:xfrm>
-            <a:off x="9949135" y="13598664"/>
-            <a:ext cx="1556992" cy="726131"/>
+            <a:off x="17345389" y="7093696"/>
+            <a:ext cx="1462191" cy="1169551"/>
           </a:xfrm>
           <a:prstGeom prst="rect">
             <a:avLst/>
           </a:prstGeom>
           <a:noFill/>
-          <a:ln w="31750">
-            <a:solidFill>
-              <a:schemeClr val="accent1">
-                <a:shade val="50000"/>
-              </a:schemeClr>
-            </a:solidFill>
-          </a:ln>
         </p:spPr>
-        <p:style>
-          <a:lnRef idx="2">
-            <a:schemeClr val="accent1">
-              <a:shade val="50000"/>
-            </a:schemeClr>
-          </a:lnRef>
-          <a:fillRef idx="1">
-            <a:schemeClr val="accent1"/>
-          </a:fillRef>
-          <a:effectRef idx="0">
-            <a:schemeClr val="accent1"/>
-          </a:effectRef>
-          <a:fontRef idx="minor">
-            <a:schemeClr val="lt1"/>
-          </a:fontRef>
-        </p:style>
         <p:txBody>
-          <a:bodyPr rtlCol="0" anchor="ctr"/>
+          <a:bodyPr wrap="square" rtlCol="0">
+            <a:spAutoFit/>
+          </a:bodyPr>
           <a:lstStyle/>
           <a:p>
-            <a:pPr algn="ctr"/>
             <a:r>
-              <a:rPr lang="ko-KR" altLang="en-US" sz="1100" dirty="0">
-                <a:solidFill>
-                  <a:sysClr val="windowText" lastClr="000000"/>
-                </a:solidFill>
+              <a:rPr lang="en-US" altLang="ko-KR" sz="7000" dirty="0" smtClean="0">
+                <a:latin typeface="+mn-ea"/>
               </a:rPr>
-              <a:t>서브메뉴번호 입력</a:t>
+              <a:t>“3”</a:t>
             </a:r>
+            <a:endParaRPr lang="ko-KR" altLang="en-US" sz="7000" dirty="0">
+              <a:latin typeface="+mn-ea"/>
+            </a:endParaRPr>
           </a:p>
         </p:txBody>
       </p:sp>
       <p:sp>
         <p:nvSpPr>
-          <p:cNvPr id="459" name="직사각형 458"/>
-          <p:cNvSpPr/>
+          <p:cNvPr id="514" name="TextBox 513"/>
+          <p:cNvSpPr txBox="1"/>
           <p:nvPr/>
         </p:nvSpPr>
         <p:spPr>
           <a:xfrm>
-            <a:off x="11662132" y="13611169"/>
-            <a:ext cx="1556992" cy="726131"/>
+            <a:off x="22262850" y="2823457"/>
+            <a:ext cx="1462191" cy="1169551"/>
           </a:xfrm>
           <a:prstGeom prst="rect">
             <a:avLst/>
           </a:prstGeom>
           <a:noFill/>
-          <a:ln w="31750">
-            <a:solidFill>
-              <a:schemeClr val="accent1">
-                <a:shade val="50000"/>
-              </a:schemeClr>
-            </a:solidFill>
-          </a:ln>
         </p:spPr>
-        <p:style>
-          <a:lnRef idx="2">
-            <a:schemeClr val="accent1">
-              <a:shade val="50000"/>
-            </a:schemeClr>
-          </a:lnRef>
-          <a:fillRef idx="1">
-            <a:schemeClr val="accent1"/>
-          </a:fillRef>
-          <a:effectRef idx="0">
-            <a:schemeClr val="accent1"/>
-          </a:effectRef>
-          <a:fontRef idx="minor">
-            <a:schemeClr val="lt1"/>
-          </a:fontRef>
-        </p:style>
         <p:txBody>
-          <a:bodyPr rtlCol="0" anchor="ctr"/>
+          <a:bodyPr wrap="square" rtlCol="0">
+            <a:spAutoFit/>
+          </a:bodyPr>
           <a:lstStyle/>
           <a:p>
-            <a:pPr algn="ctr"/>
             <a:r>
-              <a:rPr lang="ko-KR" altLang="en-US" sz="1100" dirty="0">
-                <a:solidFill>
-                  <a:sysClr val="windowText" lastClr="000000"/>
-                </a:solidFill>
+              <a:rPr lang="en-US" altLang="ko-KR" sz="7000" dirty="0" smtClean="0">
+                <a:latin typeface="+mn-ea"/>
               </a:rPr>
-              <a:t>서브메뉴번호</a:t>
+              <a:t>“4”</a:t>
             </a:r>
-            <a:endParaRPr lang="en-US" altLang="ko-KR" sz="1100" dirty="0">
-              <a:solidFill>
-                <a:sysClr val="windowText" lastClr="000000"/>
-              </a:solidFill>
+            <a:endParaRPr lang="ko-KR" altLang="en-US" sz="7000" dirty="0">
+              <a:latin typeface="+mn-ea"/>
             </a:endParaRPr>
-          </a:p>
-          <a:p>
-            <a:pPr algn="ctr"/>
-            <a:r>
-              <a:rPr lang="ko-KR" altLang="en-US" sz="1100" dirty="0">
-                <a:solidFill>
-                  <a:sysClr val="windowText" lastClr="000000"/>
-                </a:solidFill>
-              </a:rPr>
-              <a:t>확인</a:t>
-            </a:r>
           </a:p>
         </p:txBody>
       </p:sp>
-      <p:grpSp>
-        <p:nvGrpSpPr>
-          <p:cNvPr id="460" name="그룹 459"/>
-          <p:cNvGrpSpPr/>
-          <p:nvPr/>
-        </p:nvGrpSpPr>
-        <p:grpSpPr>
-          <a:xfrm>
-            <a:off x="9613149" y="12457560"/>
-            <a:ext cx="3281756" cy="740779"/>
-            <a:chOff x="2403848" y="-3562462"/>
-            <a:chExt cx="3606656" cy="1001641"/>
-          </a:xfrm>
-        </p:grpSpPr>
-        <p:grpSp>
-          <p:nvGrpSpPr>
-            <p:cNvPr id="461" name="그룹 460"/>
-            <p:cNvGrpSpPr/>
-            <p:nvPr/>
-          </p:nvGrpSpPr>
-          <p:grpSpPr>
-            <a:xfrm rot="6067542">
-              <a:off x="2416872" y="-3195923"/>
-              <a:ext cx="465295" cy="429840"/>
-              <a:chOff x="5764817" y="2081712"/>
-              <a:chExt cx="465295" cy="429840"/>
-            </a:xfrm>
-          </p:grpSpPr>
-          <p:sp>
-            <p:nvSpPr>
-              <p:cNvPr id="470" name="타원 469"/>
-              <p:cNvSpPr/>
-              <p:nvPr/>
-            </p:nvSpPr>
-            <p:spPr>
-              <a:xfrm>
-                <a:off x="5764817" y="2081712"/>
-                <a:ext cx="254984" cy="254984"/>
-              </a:xfrm>
-              <a:prstGeom prst="ellipse">
-                <a:avLst/>
-              </a:prstGeom>
-              <a:noFill/>
-              <a:ln w="38100">
-                <a:solidFill>
-                  <a:schemeClr val="accent1"/>
-                </a:solidFill>
-              </a:ln>
-            </p:spPr>
-            <p:style>
-              <a:lnRef idx="2">
-                <a:schemeClr val="accent1">
-                  <a:shade val="50000"/>
-                </a:schemeClr>
-              </a:lnRef>
-              <a:fillRef idx="1">
-                <a:schemeClr val="accent1"/>
-              </a:fillRef>
-              <a:effectRef idx="0">
-                <a:schemeClr val="accent1"/>
-              </a:effectRef>
-              <a:fontRef idx="minor">
-                <a:schemeClr val="lt1"/>
-              </a:fontRef>
-            </p:style>
-            <p:txBody>
-              <a:bodyPr rtlCol="0" anchor="ctr"/>
-              <a:lstStyle/>
-              <a:p>
-                <a:pPr algn="ctr"/>
-                <a:endParaRPr lang="ko-KR" altLang="en-US"/>
-              </a:p>
-            </p:txBody>
-          </p:sp>
-          <p:cxnSp>
-            <p:nvCxnSpPr>
-              <p:cNvPr id="471" name="직선 연결선 470"/>
-              <p:cNvCxnSpPr>
-                <a:endCxn id="470" idx="5"/>
-              </p:cNvCxnSpPr>
-              <p:nvPr/>
-            </p:nvCxnSpPr>
-            <p:spPr>
-              <a:xfrm flipH="1" flipV="1">
-                <a:off x="5982459" y="2299354"/>
-                <a:ext cx="247653" cy="212198"/>
-              </a:xfrm>
-              <a:prstGeom prst="line">
-                <a:avLst/>
-              </a:prstGeom>
-              <a:ln w="38100">
-                <a:headEnd type="stealth" w="lg" len="lg"/>
-              </a:ln>
-            </p:spPr>
-            <p:style>
-              <a:lnRef idx="1">
-                <a:schemeClr val="accent1"/>
-              </a:lnRef>
-              <a:fillRef idx="0">
-                <a:schemeClr val="accent1"/>
-              </a:fillRef>
-              <a:effectRef idx="0">
-                <a:schemeClr val="accent1"/>
-              </a:effectRef>
-              <a:fontRef idx="minor">
-                <a:schemeClr val="tx1"/>
-              </a:fontRef>
-            </p:style>
-          </p:cxnSp>
-        </p:grpSp>
-        <p:sp>
-          <p:nvSpPr>
-            <p:cNvPr id="462" name="TextBox 461"/>
-            <p:cNvSpPr txBox="1"/>
-            <p:nvPr/>
-          </p:nvSpPr>
-          <p:spPr>
-            <a:xfrm>
-              <a:off x="2403848" y="-3514036"/>
-              <a:ext cx="569387" cy="246221"/>
-            </a:xfrm>
-            <a:prstGeom prst="rect">
-              <a:avLst/>
-            </a:prstGeom>
-            <a:noFill/>
-          </p:spPr>
-          <p:txBody>
-            <a:bodyPr wrap="none" rtlCol="0">
-              <a:spAutoFit/>
-            </a:bodyPr>
-            <a:lstStyle/>
-            <a:p>
-              <a:r>
-                <a:rPr lang="ko-KR" altLang="en-US" sz="1000" dirty="0" err="1"/>
-                <a:t>화면명</a:t>
-              </a:r>
-              <a:endParaRPr lang="ko-KR" altLang="en-US" sz="1000" dirty="0"/>
-            </a:p>
-          </p:txBody>
-        </p:sp>
-        <p:grpSp>
-          <p:nvGrpSpPr>
-            <p:cNvPr id="463" name="그룹 462"/>
-            <p:cNvGrpSpPr/>
-            <p:nvPr/>
-          </p:nvGrpSpPr>
-          <p:grpSpPr>
-            <a:xfrm rot="6067542">
-              <a:off x="3705790" y="-3008388"/>
-              <a:ext cx="465295" cy="429840"/>
-              <a:chOff x="5764817" y="2081712"/>
-              <a:chExt cx="465295" cy="429840"/>
-            </a:xfrm>
-          </p:grpSpPr>
-          <p:sp>
-            <p:nvSpPr>
-              <p:cNvPr id="468" name="타원 467"/>
-              <p:cNvSpPr/>
-              <p:nvPr/>
-            </p:nvSpPr>
-            <p:spPr>
-              <a:xfrm>
-                <a:off x="5764817" y="2081712"/>
-                <a:ext cx="254984" cy="254984"/>
-              </a:xfrm>
-              <a:prstGeom prst="ellipse">
-                <a:avLst/>
-              </a:prstGeom>
-              <a:noFill/>
-              <a:ln w="38100">
-                <a:solidFill>
-                  <a:schemeClr val="accent1"/>
-                </a:solidFill>
-              </a:ln>
-            </p:spPr>
-            <p:style>
-              <a:lnRef idx="2">
-                <a:schemeClr val="accent1">
-                  <a:shade val="50000"/>
-                </a:schemeClr>
-              </a:lnRef>
-              <a:fillRef idx="1">
-                <a:schemeClr val="accent1"/>
-              </a:fillRef>
-              <a:effectRef idx="0">
-                <a:schemeClr val="accent1"/>
-              </a:effectRef>
-              <a:fontRef idx="minor">
-                <a:schemeClr val="lt1"/>
-              </a:fontRef>
-            </p:style>
-            <p:txBody>
-              <a:bodyPr rtlCol="0" anchor="ctr"/>
-              <a:lstStyle/>
-              <a:p>
-                <a:pPr algn="ctr"/>
-                <a:endParaRPr lang="ko-KR" altLang="en-US"/>
-              </a:p>
-            </p:txBody>
-          </p:sp>
-          <p:cxnSp>
-            <p:nvCxnSpPr>
-              <p:cNvPr id="469" name="직선 연결선 468"/>
-              <p:cNvCxnSpPr>
-                <a:endCxn id="468" idx="5"/>
-              </p:cNvCxnSpPr>
-              <p:nvPr/>
-            </p:nvCxnSpPr>
-            <p:spPr>
-              <a:xfrm flipH="1" flipV="1">
-                <a:off x="5982459" y="2299354"/>
-                <a:ext cx="247653" cy="212198"/>
-              </a:xfrm>
-              <a:prstGeom prst="line">
-                <a:avLst/>
-              </a:prstGeom>
-              <a:ln w="38100">
-                <a:headEnd type="stealth" w="lg" len="lg"/>
-              </a:ln>
-            </p:spPr>
-            <p:style>
-              <a:lnRef idx="1">
-                <a:schemeClr val="accent1"/>
-              </a:lnRef>
-              <a:fillRef idx="0">
-                <a:schemeClr val="accent1"/>
-              </a:fillRef>
-              <a:effectRef idx="0">
-                <a:schemeClr val="accent1"/>
-              </a:effectRef>
-              <a:fontRef idx="minor">
-                <a:schemeClr val="tx1"/>
-              </a:fontRef>
-            </p:style>
-          </p:cxnSp>
-        </p:grpSp>
-        <p:sp>
-          <p:nvSpPr>
-            <p:cNvPr id="464" name="TextBox 463"/>
-            <p:cNvSpPr txBox="1"/>
-            <p:nvPr/>
-          </p:nvSpPr>
-          <p:spPr>
-            <a:xfrm>
-              <a:off x="3453177" y="-3326500"/>
-              <a:ext cx="1048565" cy="541007"/>
-            </a:xfrm>
-            <a:prstGeom prst="rect">
-              <a:avLst/>
-            </a:prstGeom>
-            <a:noFill/>
-          </p:spPr>
-          <p:txBody>
-            <a:bodyPr wrap="none" rtlCol="0">
-              <a:spAutoFit/>
-            </a:bodyPr>
-            <a:lstStyle/>
-            <a:p>
-              <a:pPr algn="ctr"/>
-              <a:r>
-                <a:rPr lang="ko-KR" altLang="en-US" sz="1000" dirty="0"/>
-                <a:t>서브메뉴번호</a:t>
-              </a:r>
-              <a:endParaRPr lang="en-US" altLang="ko-KR" sz="1000" dirty="0"/>
-            </a:p>
-            <a:p>
-              <a:pPr algn="ctr"/>
-              <a:r>
-                <a:rPr lang="ko-KR" altLang="en-US" sz="1000" dirty="0"/>
-                <a:t> </a:t>
-              </a:r>
-            </a:p>
-          </p:txBody>
-        </p:sp>
-        <p:sp>
-          <p:nvSpPr>
-            <p:cNvPr id="465" name="타원 464"/>
-            <p:cNvSpPr/>
-            <p:nvPr/>
-          </p:nvSpPr>
-          <p:spPr>
-            <a:xfrm>
-              <a:off x="5239376" y="-2816274"/>
-              <a:ext cx="254984" cy="254984"/>
-            </a:xfrm>
-            <a:prstGeom prst="ellipse">
-              <a:avLst/>
-            </a:prstGeom>
-            <a:solidFill>
-              <a:schemeClr val="accent1"/>
-            </a:solidFill>
-            <a:ln w="38100">
-              <a:solidFill>
-                <a:schemeClr val="accent1"/>
-              </a:solidFill>
-            </a:ln>
-          </p:spPr>
-          <p:style>
-            <a:lnRef idx="2">
-              <a:schemeClr val="accent1">
-                <a:shade val="50000"/>
-              </a:schemeClr>
-            </a:lnRef>
-            <a:fillRef idx="1">
-              <a:schemeClr val="accent1"/>
-            </a:fillRef>
-            <a:effectRef idx="0">
-              <a:schemeClr val="accent1"/>
-            </a:effectRef>
-            <a:fontRef idx="minor">
-              <a:schemeClr val="lt1"/>
-            </a:fontRef>
-          </p:style>
-          <p:txBody>
-            <a:bodyPr rtlCol="0" anchor="ctr"/>
-            <a:lstStyle/>
-            <a:p>
-              <a:pPr algn="ctr"/>
-              <a:endParaRPr lang="ko-KR" altLang="en-US"/>
-            </a:p>
-          </p:txBody>
-        </p:sp>
-        <p:cxnSp>
-          <p:nvCxnSpPr>
-            <p:cNvPr id="466" name="직선 연결선 465"/>
-            <p:cNvCxnSpPr>
-              <a:endCxn id="465" idx="0"/>
-            </p:cNvCxnSpPr>
-            <p:nvPr/>
-          </p:nvCxnSpPr>
-          <p:spPr>
-            <a:xfrm flipH="1">
-              <a:off x="5366868" y="-3190871"/>
-              <a:ext cx="127492" cy="374597"/>
-            </a:xfrm>
-            <a:prstGeom prst="line">
-              <a:avLst/>
-            </a:prstGeom>
-            <a:ln w="38100">
-              <a:headEnd type="stealth" w="lg" len="lg"/>
-            </a:ln>
-          </p:spPr>
-          <p:style>
-            <a:lnRef idx="1">
-              <a:schemeClr val="accent1"/>
-            </a:lnRef>
-            <a:fillRef idx="0">
-              <a:schemeClr val="accent1"/>
-            </a:fillRef>
-            <a:effectRef idx="0">
-              <a:schemeClr val="accent1"/>
-            </a:effectRef>
-            <a:fontRef idx="minor">
-              <a:schemeClr val="tx1"/>
-            </a:fontRef>
-          </p:style>
-        </p:cxnSp>
-        <p:sp>
-          <p:nvSpPr>
-            <p:cNvPr id="467" name="TextBox 466"/>
-            <p:cNvSpPr txBox="1"/>
-            <p:nvPr/>
-          </p:nvSpPr>
-          <p:spPr>
-            <a:xfrm>
-              <a:off x="4961939" y="-3562462"/>
-              <a:ext cx="1048565" cy="541007"/>
-            </a:xfrm>
-            <a:prstGeom prst="rect">
-              <a:avLst/>
-            </a:prstGeom>
-            <a:noFill/>
-          </p:spPr>
-          <p:txBody>
-            <a:bodyPr wrap="none" rtlCol="0">
-              <a:spAutoFit/>
-            </a:bodyPr>
-            <a:lstStyle/>
-            <a:p>
-              <a:pPr algn="ctr"/>
-              <a:r>
-                <a:rPr lang="ko-KR" altLang="en-US" sz="1000" dirty="0"/>
-                <a:t>서브메뉴번호</a:t>
-              </a:r>
-              <a:endParaRPr lang="en-US" altLang="ko-KR" sz="1000" dirty="0"/>
-            </a:p>
-            <a:p>
-              <a:pPr algn="ctr"/>
-              <a:r>
-                <a:rPr lang="en-US" altLang="ko-KR" sz="1000" dirty="0"/>
-                <a:t>Flag</a:t>
-              </a:r>
-            </a:p>
-          </p:txBody>
-        </p:sp>
-      </p:grpSp>
-      <p:cxnSp>
-        <p:nvCxnSpPr>
-          <p:cNvPr id="473" name="직선 화살표 연결선 472"/>
-          <p:cNvCxnSpPr>
-            <a:stCxn id="474" idx="2"/>
-            <a:endCxn id="449" idx="0"/>
-          </p:cNvCxnSpPr>
-          <p:nvPr/>
-        </p:nvCxnSpPr>
-        <p:spPr>
-          <a:xfrm>
-            <a:off x="13362489" y="11128131"/>
-            <a:ext cx="3825499" cy="2702169"/>
-          </a:xfrm>
-          <a:prstGeom prst="straightConnector1">
-            <a:avLst/>
-          </a:prstGeom>
-          <a:ln w="38100">
-            <a:headEnd w="lg" len="lg"/>
-            <a:tailEnd type="triangle"/>
-          </a:ln>
-        </p:spPr>
-        <p:style>
-          <a:lnRef idx="1">
-            <a:schemeClr val="accent1"/>
-          </a:lnRef>
-          <a:fillRef idx="0">
-            <a:schemeClr val="accent1"/>
-          </a:fillRef>
-          <a:effectRef idx="0">
-            <a:schemeClr val="accent1"/>
-          </a:effectRef>
-          <a:fontRef idx="minor">
-            <a:schemeClr val="tx1"/>
-          </a:fontRef>
-        </p:style>
-      </p:cxnSp>
       <p:sp>
         <p:nvSpPr>
-          <p:cNvPr id="474" name="직사각형 473"/>
-          <p:cNvSpPr/>
+          <p:cNvPr id="515" name="TextBox 514"/>
+          <p:cNvSpPr txBox="1"/>
           <p:nvPr/>
         </p:nvSpPr>
         <p:spPr>
           <a:xfrm>
-            <a:off x="12583993" y="10402000"/>
-            <a:ext cx="1556992" cy="726131"/>
+            <a:off x="21753969" y="4695561"/>
+            <a:ext cx="1462191" cy="1169551"/>
           </a:xfrm>
           <a:prstGeom prst="rect">
             <a:avLst/>
           </a:prstGeom>
           <a:noFill/>
-          <a:ln w="31750">
-            <a:solidFill>
-              <a:schemeClr val="accent1">
-                <a:shade val="50000"/>
-              </a:schemeClr>
-            </a:solidFill>
-          </a:ln>
         </p:spPr>
-        <p:style>
-          <a:lnRef idx="2">
-            <a:schemeClr val="accent1">
-              <a:shade val="50000"/>
-            </a:schemeClr>
-          </a:lnRef>
-          <a:fillRef idx="1">
-            <a:schemeClr val="accent1"/>
-          </a:fillRef>
-          <a:effectRef idx="0">
-            <a:schemeClr val="accent1"/>
-          </a:effectRef>
-          <a:fontRef idx="minor">
-            <a:schemeClr val="lt1"/>
-          </a:fontRef>
-        </p:style>
         <p:txBody>
-          <a:bodyPr rtlCol="0" anchor="ctr"/>
+          <a:bodyPr wrap="square" rtlCol="0">
+            <a:spAutoFit/>
+          </a:bodyPr>
           <a:lstStyle/>
           <a:p>
-            <a:pPr algn="ctr"/>
             <a:r>
-              <a:rPr lang="ko-KR" altLang="en-US" sz="1100" dirty="0">
-                <a:solidFill>
-                  <a:sysClr val="windowText" lastClr="000000"/>
-                </a:solidFill>
+              <a:rPr lang="en-US" altLang="ko-KR" sz="7000" dirty="0" smtClean="0">
+                <a:latin typeface="+mn-ea"/>
               </a:rPr>
-              <a:t>강의 평가 관리</a:t>
+              <a:t>“5”</a:t>
             </a:r>
+            <a:endParaRPr lang="ko-KR" altLang="en-US" sz="7000" dirty="0">
+              <a:latin typeface="+mn-ea"/>
+            </a:endParaRPr>
           </a:p>
         </p:txBody>
       </p:sp>
-      <p:cxnSp>
-        <p:nvCxnSpPr>
-          <p:cNvPr id="476" name="직선 화살표 연결선 475"/>
-          <p:cNvCxnSpPr>
-            <a:stCxn id="474" idx="2"/>
-            <a:endCxn id="458" idx="0"/>
-          </p:cNvCxnSpPr>
+      <p:sp>
+        <p:nvSpPr>
+          <p:cNvPr id="516" name="TextBox 515"/>
+          <p:cNvSpPr txBox="1"/>
           <p:nvPr/>
-        </p:nvCxnSpPr>
+        </p:nvSpPr>
         <p:spPr>
-          <a:xfrm flipH="1">
-            <a:off x="10727631" y="11128131"/>
-            <a:ext cx="2634858" cy="2470533"/>
+          <a:xfrm>
+            <a:off x="21648712" y="7577082"/>
+            <a:ext cx="1462191" cy="1169551"/>
           </a:xfrm>
-          <a:prstGeom prst="straightConnector1">
+          <a:prstGeom prst="rect">
             <a:avLst/>
           </a:prstGeom>
-          <a:ln w="38100">
-            <a:headEnd w="lg" len="lg"/>
-            <a:tailEnd type="triangle"/>
-          </a:ln>
+          <a:noFill/>
         </p:spPr>
-        <p:style>
-          <a:lnRef idx="1">
-            <a:schemeClr val="accent1"/>
-          </a:lnRef>
-          <a:fillRef idx="0">
-            <a:schemeClr val="accent1"/>
-          </a:fillRef>
-          <a:effectRef idx="0">
-            <a:schemeClr val="accent1"/>
-          </a:effectRef>
-          <a:fontRef idx="minor">
-            <a:schemeClr val="tx1"/>
-          </a:fontRef>
-        </p:style>
-      </p:cxnSp>
-      <p:cxnSp>
-        <p:nvCxnSpPr>
-          <p:cNvPr id="477" name="직선 화살표 연결선 476"/>
-          <p:cNvCxnSpPr>
-            <a:stCxn id="474" idx="2"/>
-            <a:endCxn id="457" idx="0"/>
-          </p:cNvCxnSpPr>
-          <p:nvPr/>
-        </p:nvCxnSpPr>
-        <p:spPr>
-          <a:xfrm flipH="1">
-            <a:off x="8975984" y="11128131"/>
-            <a:ext cx="4386505" cy="2455358"/>
-          </a:xfrm>
-          <a:prstGeom prst="straightConnector1">
-            <a:avLst/>
-          </a:prstGeom>
-          <a:ln w="38100">
-            <a:headEnd w="lg" len="lg"/>
-            <a:tailEnd type="triangle"/>
-          </a:ln>
-        </p:spPr>
-        <p:style>
-          <a:lnRef idx="1">
-            <a:schemeClr val="accent1"/>
-          </a:lnRef>
-          <a:fillRef idx="0">
-            <a:schemeClr val="accent1"/>
-          </a:fillRef>
-          <a:effectRef idx="0">
-            <a:schemeClr val="accent1"/>
-          </a:effectRef>
-          <a:fontRef idx="minor">
-            <a:schemeClr val="tx1"/>
-          </a:fontRef>
-        </p:style>
-      </p:cxnSp>
-      <p:cxnSp>
-        <p:nvCxnSpPr>
-          <p:cNvPr id="478" name="직선 화살표 연결선 477"/>
-          <p:cNvCxnSpPr>
-            <a:stCxn id="450" idx="2"/>
-            <a:endCxn id="424" idx="0"/>
-          </p:cNvCxnSpPr>
-          <p:nvPr/>
-        </p:nvCxnSpPr>
-        <p:spPr>
-          <a:xfrm>
-            <a:off x="17187988" y="15257989"/>
-            <a:ext cx="28170947" cy="2560755"/>
-          </a:xfrm>
-          <a:prstGeom prst="straightConnector1">
-            <a:avLst/>
-          </a:prstGeom>
-          <a:ln w="38100">
-            <a:headEnd w="lg" len="lg"/>
-            <a:tailEnd type="triangle"/>
-          </a:ln>
-        </p:spPr>
-        <p:style>
-          <a:lnRef idx="1">
-            <a:schemeClr val="accent1"/>
-          </a:lnRef>
-          <a:fillRef idx="0">
-            <a:schemeClr val="accent1"/>
-          </a:fillRef>
-          <a:effectRef idx="0">
-            <a:schemeClr val="accent1"/>
-          </a:effectRef>
-          <a:fontRef idx="minor">
-            <a:schemeClr val="tx1"/>
-          </a:fontRef>
-        </p:style>
-      </p:cxnSp>
+        <p:txBody>
+          <a:bodyPr wrap="square" rtlCol="0">
+            <a:spAutoFit/>
+          </a:bodyPr>
+          <a:lstStyle/>
+          <a:p>
+            <a:r>
+              <a:rPr lang="en-US" altLang="ko-KR" sz="7000" dirty="0" smtClean="0">
+                <a:latin typeface="+mn-ea"/>
+              </a:rPr>
+              <a:t>“6”</a:t>
+            </a:r>
+            <a:endParaRPr lang="ko-KR" altLang="en-US" sz="7000" dirty="0">
+              <a:latin typeface="+mn-ea"/>
+            </a:endParaRPr>
+          </a:p>
+        </p:txBody>
+      </p:sp>
     </p:spTree>
     <p:extLst>
       <p:ext uri="{BB962C8B-B14F-4D97-AF65-F5344CB8AC3E}">
@@ -17041,6 +17306,13 @@
   <p:clrMapOvr>
     <a:masterClrMapping/>
   </p:clrMapOvr>
+  <p:timing>
+    <p:tnLst>
+      <p:par>
+        <p:cTn id="1" dur="indefinite" restart="never" nodeType="tmRoot"/>
+      </p:par>
+    </p:tnLst>
+  </p:timing>
 </p:sld>
 </file>
 
